--- a/01 Classes/Aula 10 - Python Big Data.pptx
+++ b/01 Classes/Aula 10 - Python Big Data.pptx
@@ -3940,7 +3940,7 @@
                   <a:schemeClr val="bg1"/>
                 </a:solidFill>
               </a:rPr>
-              <a:t>Aula 01</a:t>
+              <a:t>Aula 10</a:t>
             </a:r>
             <a:br>
               <a:rPr lang="pt-BR" b="1" dirty="0">
@@ -3963,8 +3963,21 @@
                   <a:schemeClr val="bg1"/>
                 </a:solidFill>
               </a:rPr>
-              <a:t>Contextualização</a:t>
-            </a:r>
+              <a:t>Projeto AWS </a:t>
+            </a:r>
+            <a:r>
+              <a:rPr lang="pt-BR" sz="3600" b="1">
+                <a:solidFill>
+                  <a:schemeClr val="bg1"/>
+                </a:solidFill>
+              </a:rPr>
+              <a:t>Big Data</a:t>
+            </a:r>
+            <a:endParaRPr lang="pt-BR" sz="3600" b="1" dirty="0">
+              <a:solidFill>
+                <a:schemeClr val="bg1"/>
+              </a:solidFill>
+            </a:endParaRPr>
           </a:p>
         </p:txBody>
       </p:sp>
